--- a/Documentacion/Presentación.pptx
+++ b/Documentacion/Presentación.pptx
@@ -108,6 +108,11 @@
       </a:defRPr>
     </a:lvl9pPr>
   </p:defaultTextStyle>
+  <p:extLst>
+    <p:ext uri="{EFAFB233-063F-42B5-8137-9DF3F51BA10A}">
+      <p15:sldGuideLst xmlns:p15="http://schemas.microsoft.com/office/powerpoint/2012/main"/>
+    </p:ext>
+  </p:extLst>
 </p:presentation>
 </file>
 
@@ -6886,15 +6891,31 @@
         </p:nvSpPr>
         <p:spPr>
           <a:xfrm>
-            <a:off x="1100015" y="4670246"/>
-            <a:ext cx="7315200" cy="914400"/>
+            <a:off x="1352282" y="2337516"/>
+            <a:ext cx="8119001" cy="4520484"/>
           </a:xfrm>
         </p:spPr>
         <p:txBody>
-          <a:bodyPr/>
+          <a:bodyPr>
+            <a:noAutofit/>
+          </a:bodyPr>
           <a:lstStyle/>
           <a:p>
-            <a:endParaRPr lang="es-ES" dirty="0"/>
+            <a:r>
+              <a:rPr lang="es-ES" sz="15000" dirty="0" err="1">
+                <a:solidFill>
+                  <a:schemeClr val="bg1"/>
+                </a:solidFill>
+                <a:latin typeface="Pacifico" panose="00000500000000000000" pitchFamily="2" charset="0"/>
+              </a:rPr>
+              <a:t>Lynoda</a:t>
+            </a:r>
+            <a:endParaRPr lang="es-ES" sz="15000" dirty="0">
+              <a:solidFill>
+                <a:schemeClr val="bg1"/>
+              </a:solidFill>
+              <a:latin typeface="Pacifico" panose="00000500000000000000" pitchFamily="2" charset="0"/>
+            </a:endParaRPr>
           </a:p>
         </p:txBody>
       </p:sp>
